--- a/《PHP核心技术与最佳实践》第3章--正则表达式基础与应用/3.1 认识正则表达式.pptx
+++ b/《PHP核心技术与最佳实践》第3章--正则表达式基础与应用/3.1 认识正则表达式.pptx
@@ -196,7 +196,7 @@
           <a:p>
             <a:fld id="{ECCD8B2B-925F-4A87-A5CC-679FA7E92B8D}" type="datetimeFigureOut">
               <a:rPr lang="zh-CN" altLang="en-US" smtClean="0"/>
-              <a:t>2018/3/8</a:t>
+              <a:t>2018/3/19</a:t>
             </a:fld>
             <a:endParaRPr lang="zh-CN" altLang="en-US"/>
           </a:p>
@@ -741,7 +741,7 @@
           <a:p>
             <a:fld id="{530820CF-B880-4189-942D-D702A7CBA730}" type="datetimeFigureOut">
               <a:rPr lang="zh-CN" altLang="en-US" smtClean="0"/>
-              <a:t>2018/3/8</a:t>
+              <a:t>2018/3/19</a:t>
             </a:fld>
             <a:endParaRPr lang="zh-CN" altLang="en-US"/>
           </a:p>
@@ -906,7 +906,7 @@
           <a:p>
             <a:fld id="{530820CF-B880-4189-942D-D702A7CBA730}" type="datetimeFigureOut">
               <a:rPr lang="zh-CN" altLang="en-US" smtClean="0"/>
-              <a:t>2018/3/8</a:t>
+              <a:t>2018/3/19</a:t>
             </a:fld>
             <a:endParaRPr lang="zh-CN" altLang="en-US"/>
           </a:p>
@@ -1081,7 +1081,7 @@
           <a:p>
             <a:fld id="{530820CF-B880-4189-942D-D702A7CBA730}" type="datetimeFigureOut">
               <a:rPr lang="zh-CN" altLang="en-US" smtClean="0"/>
-              <a:t>2018/3/8</a:t>
+              <a:t>2018/3/19</a:t>
             </a:fld>
             <a:endParaRPr lang="zh-CN" altLang="en-US"/>
           </a:p>
@@ -1246,7 +1246,7 @@
           <a:p>
             <a:fld id="{530820CF-B880-4189-942D-D702A7CBA730}" type="datetimeFigureOut">
               <a:rPr lang="zh-CN" altLang="en-US" smtClean="0"/>
-              <a:t>2018/3/8</a:t>
+              <a:t>2018/3/19</a:t>
             </a:fld>
             <a:endParaRPr lang="zh-CN" altLang="en-US"/>
           </a:p>
@@ -1487,7 +1487,7 @@
           <a:p>
             <a:fld id="{530820CF-B880-4189-942D-D702A7CBA730}" type="datetimeFigureOut">
               <a:rPr lang="zh-CN" altLang="en-US" smtClean="0"/>
-              <a:t>2018/3/8</a:t>
+              <a:t>2018/3/19</a:t>
             </a:fld>
             <a:endParaRPr lang="zh-CN" altLang="en-US"/>
           </a:p>
@@ -1770,7 +1770,7 @@
           <a:p>
             <a:fld id="{530820CF-B880-4189-942D-D702A7CBA730}" type="datetimeFigureOut">
               <a:rPr lang="zh-CN" altLang="en-US" smtClean="0"/>
-              <a:t>2018/3/8</a:t>
+              <a:t>2018/3/19</a:t>
             </a:fld>
             <a:endParaRPr lang="zh-CN" altLang="en-US"/>
           </a:p>
@@ -2187,7 +2187,7 @@
           <a:p>
             <a:fld id="{530820CF-B880-4189-942D-D702A7CBA730}" type="datetimeFigureOut">
               <a:rPr lang="zh-CN" altLang="en-US" smtClean="0"/>
-              <a:t>2018/3/8</a:t>
+              <a:t>2018/3/19</a:t>
             </a:fld>
             <a:endParaRPr lang="zh-CN" altLang="en-US"/>
           </a:p>
@@ -2300,7 +2300,7 @@
           <a:p>
             <a:fld id="{530820CF-B880-4189-942D-D702A7CBA730}" type="datetimeFigureOut">
               <a:rPr lang="zh-CN" altLang="en-US" smtClean="0"/>
-              <a:t>2018/3/8</a:t>
+              <a:t>2018/3/19</a:t>
             </a:fld>
             <a:endParaRPr lang="zh-CN" altLang="en-US"/>
           </a:p>
@@ -2390,7 +2390,7 @@
           <a:p>
             <a:fld id="{530820CF-B880-4189-942D-D702A7CBA730}" type="datetimeFigureOut">
               <a:rPr lang="zh-CN" altLang="en-US" smtClean="0"/>
-              <a:t>2018/3/8</a:t>
+              <a:t>2018/3/19</a:t>
             </a:fld>
             <a:endParaRPr lang="zh-CN" altLang="en-US"/>
           </a:p>
@@ -2662,7 +2662,7 @@
           <a:p>
             <a:fld id="{530820CF-B880-4189-942D-D702A7CBA730}" type="datetimeFigureOut">
               <a:rPr lang="zh-CN" altLang="en-US" smtClean="0"/>
-              <a:t>2018/3/8</a:t>
+              <a:t>2018/3/19</a:t>
             </a:fld>
             <a:endParaRPr lang="zh-CN" altLang="en-US"/>
           </a:p>
@@ -2910,7 +2910,7 @@
           <a:p>
             <a:fld id="{530820CF-B880-4189-942D-D702A7CBA730}" type="datetimeFigureOut">
               <a:rPr lang="zh-CN" altLang="en-US" smtClean="0"/>
-              <a:t>2018/3/8</a:t>
+              <a:t>2018/3/19</a:t>
             </a:fld>
             <a:endParaRPr lang="zh-CN" altLang="en-US"/>
           </a:p>
@@ -3118,7 +3118,7 @@
           <a:p>
             <a:fld id="{530820CF-B880-4189-942D-D702A7CBA730}" type="datetimeFigureOut">
               <a:rPr lang="zh-CN" altLang="en-US" smtClean="0"/>
-              <a:t>2018/3/8</a:t>
+              <a:t>2018/3/19</a:t>
             </a:fld>
             <a:endParaRPr lang="zh-CN" altLang="en-US"/>
           </a:p>
@@ -4206,14 +4206,22 @@
             </a:r>
             <a:r>
               <a:rPr lang="zh-CN" altLang="en-US" sz="1400" dirty="0" smtClean="0"/>
-              <a:t>部分：分隔符、表达式、修饰符</a:t>
-            </a:r>
-            <a:endParaRPr lang="en-US" altLang="zh-CN" sz="1400" dirty="0" smtClean="0"/>
-          </a:p>
-          <a:p>
-            <a:r>
-              <a:rPr lang="zh-CN" altLang="en-US" sz="1400" dirty="0" smtClean="0"/>
-              <a:t>分隔符：可以是</a:t>
+              <a:t>部分：</a:t>
+            </a:r>
+            <a:r>
+              <a:rPr lang="zh-CN" altLang="en-US" sz="1400" b="1" dirty="0" smtClean="0"/>
+              <a:t>分隔符、表达式、修饰符</a:t>
+            </a:r>
+            <a:endParaRPr lang="en-US" altLang="zh-CN" sz="1400" b="1" dirty="0" smtClean="0"/>
+          </a:p>
+          <a:p>
+            <a:r>
+              <a:rPr lang="zh-CN" altLang="en-US" sz="1400" b="1" dirty="0" smtClean="0"/>
+              <a:t>分隔符</a:t>
+            </a:r>
+            <a:r>
+              <a:rPr lang="zh-CN" altLang="en-US" sz="1400" dirty="0" smtClean="0"/>
+              <a:t>：可以是</a:t>
             </a:r>
             <a:r>
               <a:rPr lang="zh-CN" altLang="en-US" sz="1400" dirty="0" smtClean="0">
@@ -4271,8 +4279,12 @@
           </a:p>
           <a:p>
             <a:r>
-              <a:rPr lang="zh-CN" altLang="en-US" sz="1400" dirty="0" smtClean="0"/>
-              <a:t>表达式：由一些特殊</a:t>
+              <a:rPr lang="zh-CN" altLang="en-US" sz="1400" b="1" dirty="0" smtClean="0"/>
+              <a:t>表达式</a:t>
+            </a:r>
+            <a:r>
+              <a:rPr lang="zh-CN" altLang="en-US" sz="1400" dirty="0" smtClean="0"/>
+              <a:t>：由一些特殊</a:t>
             </a:r>
             <a:r>
               <a:rPr lang="zh-CN" altLang="en-US" sz="1400" dirty="0" smtClean="0">
@@ -4310,8 +4322,12 @@
           </a:p>
           <a:p>
             <a:r>
-              <a:rPr lang="zh-CN" altLang="en-US" sz="1400" dirty="0" smtClean="0"/>
-              <a:t>修饰符：用于开启或关闭某种功能</a:t>
+              <a:rPr lang="zh-CN" altLang="en-US" sz="1400" b="1" dirty="0" smtClean="0"/>
+              <a:t>修饰符</a:t>
+            </a:r>
+            <a:r>
+              <a:rPr lang="zh-CN" altLang="en-US" sz="1400" dirty="0" smtClean="0"/>
+              <a:t>：用于开启或关闭某种功能</a:t>
             </a:r>
             <a:r>
               <a:rPr lang="en-US" altLang="zh-CN" sz="1400" dirty="0" smtClean="0"/>
